--- a/Streetbite_6_7_Slides_Rinzin_Sherpa.pptx
+++ b/Streetbite_6_7_Slides_Rinzin_Sherpa.pptx
@@ -3829,8 +3829,8 @@
         </p:nvSpPr>
         <p:spPr>
           <a:xfrm>
-            <a:off x="640080" y="1166018"/>
-            <a:ext cx="8229600" cy="4525963"/>
+            <a:off x="826618" y="1166018"/>
+            <a:ext cx="8043062" cy="4579954"/>
           </a:xfrm>
         </p:spPr>
         <p:txBody>
@@ -3840,64 +3840,147 @@
           <a:lstStyle/>
           <a:p>
             <a:r>
-              <a:t>Algorithm FindNearestVendor</a:t>
-            </a:r>
-          </a:p>
-          <a:p>
-            <a:r>
-              <a:t>Input: userLat, userLon</a:t>
-            </a:r>
-          </a:p>
-          <a:p>
-            <a:r>
+              <a:rPr dirty="0"/>
+              <a:t>Algorithm </a:t>
+            </a:r>
+            <a:r>
+              <a:rPr dirty="0" err="1"/>
+              <a:t>FindNearestVendor</a:t>
+            </a:r>
+            <a:endParaRPr dirty="0"/>
+          </a:p>
+          <a:p>
+            <a:r>
+              <a:rPr dirty="0"/>
+              <a:t>Input: </a:t>
+            </a:r>
+            <a:r>
+              <a:rPr dirty="0" err="1"/>
+              <a:t>userLat</a:t>
+            </a:r>
+            <a:r>
+              <a:rPr dirty="0"/>
+              <a:t>, </a:t>
+            </a:r>
+            <a:r>
+              <a:rPr dirty="0" err="1"/>
+              <a:t>userLon</a:t>
+            </a:r>
+            <a:endParaRPr dirty="0"/>
+          </a:p>
+          <a:p>
+            <a:r>
+              <a:rPr dirty="0"/>
               <a:t>Output: Vendor closest to user</a:t>
             </a:r>
           </a:p>
           <a:p>
-            <a:endParaRPr/>
-          </a:p>
-          <a:p>
-            <a:r>
-              <a:t>Step 1: Set nearestVendor = null</a:t>
-            </a:r>
-          </a:p>
-          <a:p>
-            <a:r>
-              <a:t>Step 2: Set smallestDistance = infinity</a:t>
-            </a:r>
-          </a:p>
-          <a:p>
-            <a:r>
+            <a:endParaRPr dirty="0"/>
+          </a:p>
+          <a:p>
+            <a:r>
+              <a:rPr dirty="0"/>
+              <a:t>Step 1: Set </a:t>
+            </a:r>
+            <a:r>
+              <a:rPr dirty="0" err="1"/>
+              <a:t>nearestVendor</a:t>
+            </a:r>
+            <a:r>
+              <a:rPr dirty="0"/>
+              <a:t> = null</a:t>
+            </a:r>
+          </a:p>
+          <a:p>
+            <a:r>
+              <a:rPr dirty="0"/>
+              <a:t>Step 2: Set </a:t>
+            </a:r>
+            <a:r>
+              <a:rPr dirty="0" err="1"/>
+              <a:t>smallestDistance</a:t>
+            </a:r>
+            <a:r>
+              <a:rPr dirty="0"/>
+              <a:t> = infinity</a:t>
+            </a:r>
+          </a:p>
+          <a:p>
+            <a:r>
+              <a:rPr dirty="0"/>
               <a:t>Step 3: For each vendor V:</a:t>
             </a:r>
           </a:p>
           <a:p>
             <a:r>
-              <a:t>           d = ComputeDistance(user, V)</a:t>
-            </a:r>
-          </a:p>
-          <a:p>
-            <a:r>
-              <a:t>           If d &lt; smallestDistance:</a:t>
-            </a:r>
-          </a:p>
-          <a:p>
-            <a:r>
-              <a:t>               smallestDistance = d</a:t>
-            </a:r>
-          </a:p>
-          <a:p>
-            <a:r>
-              <a:t>               nearestVendor = V</a:t>
-            </a:r>
-          </a:p>
-          <a:p>
-            <a:r>
-              <a:t>Step 4: Return nearestVendor</a:t>
-            </a:r>
-          </a:p>
-          <a:p>
-            <a:r>
+              <a:rPr dirty="0"/>
+              <a:t>           d = </a:t>
+            </a:r>
+            <a:r>
+              <a:rPr dirty="0" err="1"/>
+              <a:t>ComputeDistance</a:t>
+            </a:r>
+            <a:r>
+              <a:rPr dirty="0"/>
+              <a:t>(user, V)</a:t>
+            </a:r>
+          </a:p>
+          <a:p>
+            <a:r>
+              <a:rPr dirty="0"/>
+              <a:t>           If d &lt; </a:t>
+            </a:r>
+            <a:r>
+              <a:rPr dirty="0" err="1"/>
+              <a:t>smallestDistance</a:t>
+            </a:r>
+            <a:r>
+              <a:rPr dirty="0"/>
+              <a:t>:</a:t>
+            </a:r>
+          </a:p>
+          <a:p>
+            <a:r>
+              <a:rPr dirty="0"/>
+              <a:t>               </a:t>
+            </a:r>
+            <a:r>
+              <a:rPr dirty="0" err="1"/>
+              <a:t>smallestDistance</a:t>
+            </a:r>
+            <a:r>
+              <a:rPr dirty="0"/>
+              <a:t> = d</a:t>
+            </a:r>
+          </a:p>
+          <a:p>
+            <a:r>
+              <a:rPr dirty="0"/>
+              <a:t>               </a:t>
+            </a:r>
+            <a:r>
+              <a:rPr dirty="0" err="1"/>
+              <a:t>nearestVendor</a:t>
+            </a:r>
+            <a:r>
+              <a:rPr dirty="0"/>
+              <a:t> = V</a:t>
+            </a:r>
+          </a:p>
+          <a:p>
+            <a:r>
+              <a:rPr dirty="0"/>
+              <a:t>Step 4: Return </a:t>
+            </a:r>
+            <a:r>
+              <a:rPr dirty="0" err="1"/>
+              <a:t>nearestVendor</a:t>
+            </a:r>
+            <a:endParaRPr dirty="0"/>
+          </a:p>
+          <a:p>
+            <a:r>
+              <a:rPr dirty="0"/>
               <a:t>End Algorithm</a:t>
             </a:r>
           </a:p>
